--- a/_book/plot/ss-q3-bar-1.pptx
+++ b/_book/plot/ss-q3-bar-1.pptx
@@ -3158,7 +3158,7 @@
           <p:spPr>
             <a:xfrm>
               <a:off x="1952625" y="2116772"/>
-              <a:ext cx="3657599" cy="1097279"/>
+              <a:ext cx="3657600" cy="1097279"/>
             </a:xfrm>
             <a:prstGeom prst="rect">
               <a:avLst/>
@@ -3192,8 +3192,8 @@
           </p:nvSpPr>
           <p:spPr>
             <a:xfrm>
-              <a:off x="2570572" y="2186361"/>
-              <a:ext cx="2970062" cy="631795"/>
+              <a:off x="2568829" y="2186361"/>
+              <a:ext cx="2971806" cy="635492"/>
             </a:xfrm>
             <a:prstGeom prst="rect">
               <a:avLst/>
@@ -3218,15 +3218,15 @@
           </p:nvSpPr>
           <p:spPr>
             <a:xfrm>
-              <a:off x="3082857" y="2186361"/>
-              <a:ext cx="0" cy="631795"/>
+              <a:off x="3081414" y="2186361"/>
+              <a:ext cx="0" cy="635492"/>
             </a:xfrm>
             <a:custGeom>
               <a:avLst/>
               <a:pathLst>
-                <a:path w="0" h="631795">
+                <a:path w="0" h="635492">
                   <a:moveTo>
-                    <a:pt x="0" y="631795"/>
+                    <a:pt x="0" y="635492"/>
                   </a:moveTo>
                   <a:lnTo>
                     <a:pt x="0" y="0"/>
@@ -3261,15 +3261,15 @@
           </p:nvSpPr>
           <p:spPr>
             <a:xfrm>
-              <a:off x="4107427" y="2186361"/>
-              <a:ext cx="0" cy="631795"/>
+              <a:off x="4106585" y="2186361"/>
+              <a:ext cx="0" cy="635492"/>
             </a:xfrm>
             <a:custGeom>
               <a:avLst/>
               <a:pathLst>
-                <a:path w="0" h="631795">
+                <a:path w="0" h="635492">
                   <a:moveTo>
-                    <a:pt x="0" y="631795"/>
+                    <a:pt x="0" y="635492"/>
                   </a:moveTo>
                   <a:lnTo>
                     <a:pt x="0" y="0"/>
@@ -3304,15 +3304,15 @@
           </p:nvSpPr>
           <p:spPr>
             <a:xfrm>
-              <a:off x="5131996" y="2186361"/>
-              <a:ext cx="0" cy="631795"/>
+              <a:off x="5131756" y="2186361"/>
+              <a:ext cx="0" cy="635492"/>
             </a:xfrm>
             <a:custGeom>
               <a:avLst/>
               <a:pathLst>
-                <a:path w="0" h="631795">
+                <a:path w="0" h="635492">
                   <a:moveTo>
-                    <a:pt x="0" y="631795"/>
+                    <a:pt x="0" y="635492"/>
                   </a:moveTo>
                   <a:lnTo>
                     <a:pt x="0" y="0"/>
@@ -3347,21 +3347,21 @@
           </p:nvSpPr>
           <p:spPr>
             <a:xfrm>
-              <a:off x="2570572" y="2645849"/>
-              <a:ext cx="2970062" cy="0"/>
+              <a:off x="2568829" y="2648538"/>
+              <a:ext cx="2971806" cy="0"/>
             </a:xfrm>
             <a:custGeom>
               <a:avLst/>
               <a:pathLst>
-                <a:path w="2970062" h="0">
+                <a:path w="2971806" h="0">
                   <a:moveTo>
                     <a:pt x="0" y="0"/>
                   </a:moveTo>
                   <a:lnTo>
-                    <a:pt x="2970062" y="0"/>
-                  </a:lnTo>
-                  <a:lnTo>
-                    <a:pt x="2970062" y="0"/>
+                    <a:pt x="2971806" y="0"/>
+                  </a:lnTo>
+                  <a:lnTo>
+                    <a:pt x="2971806" y="0"/>
                   </a:lnTo>
                 </a:path>
               </a:pathLst>
@@ -3390,21 +3390,21 @@
           </p:nvSpPr>
           <p:spPr>
             <a:xfrm>
-              <a:off x="2570572" y="2358669"/>
-              <a:ext cx="2970062" cy="0"/>
+              <a:off x="2568829" y="2359677"/>
+              <a:ext cx="2971806" cy="0"/>
             </a:xfrm>
             <a:custGeom>
               <a:avLst/>
               <a:pathLst>
-                <a:path w="2970062" h="0">
+                <a:path w="2971806" h="0">
                   <a:moveTo>
                     <a:pt x="0" y="0"/>
                   </a:moveTo>
                   <a:lnTo>
-                    <a:pt x="2970062" y="0"/>
-                  </a:lnTo>
-                  <a:lnTo>
-                    <a:pt x="2970062" y="0"/>
+                    <a:pt x="2971806" y="0"/>
+                  </a:lnTo>
+                  <a:lnTo>
+                    <a:pt x="2971806" y="0"/>
                   </a:lnTo>
                 </a:path>
               </a:pathLst>
@@ -3433,15 +3433,15 @@
           </p:nvSpPr>
           <p:spPr>
             <a:xfrm>
-              <a:off x="2570572" y="2186361"/>
-              <a:ext cx="0" cy="631795"/>
+              <a:off x="2568829" y="2186361"/>
+              <a:ext cx="0" cy="635492"/>
             </a:xfrm>
             <a:custGeom>
               <a:avLst/>
               <a:pathLst>
-                <a:path w="0" h="631795">
+                <a:path w="0" h="635492">
                   <a:moveTo>
-                    <a:pt x="0" y="631795"/>
+                    <a:pt x="0" y="635492"/>
                   </a:moveTo>
                   <a:lnTo>
                     <a:pt x="0" y="0"/>
@@ -3476,15 +3476,15 @@
           </p:nvSpPr>
           <p:spPr>
             <a:xfrm>
-              <a:off x="3595142" y="2186361"/>
-              <a:ext cx="0" cy="631795"/>
+              <a:off x="3594000" y="2186361"/>
+              <a:ext cx="0" cy="635492"/>
             </a:xfrm>
             <a:custGeom>
               <a:avLst/>
               <a:pathLst>
-                <a:path w="0" h="631795">
+                <a:path w="0" h="635492">
                   <a:moveTo>
-                    <a:pt x="0" y="631795"/>
+                    <a:pt x="0" y="635492"/>
                   </a:moveTo>
                   <a:lnTo>
                     <a:pt x="0" y="0"/>
@@ -3519,15 +3519,15 @@
           </p:nvSpPr>
           <p:spPr>
             <a:xfrm>
-              <a:off x="4619711" y="2186361"/>
-              <a:ext cx="0" cy="631795"/>
+              <a:off x="4619171" y="2186361"/>
+              <a:ext cx="0" cy="635492"/>
             </a:xfrm>
             <a:custGeom>
               <a:avLst/>
               <a:pathLst>
-                <a:path w="0" h="631795">
+                <a:path w="0" h="635492">
                   <a:moveTo>
-                    <a:pt x="0" y="631795"/>
+                    <a:pt x="0" y="635492"/>
                   </a:moveTo>
                   <a:lnTo>
                     <a:pt x="0" y="0"/>
@@ -3562,8 +3562,8 @@
           </p:nvSpPr>
           <p:spPr>
             <a:xfrm>
-              <a:off x="2570572" y="2229438"/>
-              <a:ext cx="1321694" cy="258461"/>
+              <a:off x="2568829" y="2229690"/>
+              <a:ext cx="1322470" cy="259974"/>
             </a:xfrm>
             <a:prstGeom prst="rect">
               <a:avLst/>
@@ -3588,8 +3588,8 @@
           </p:nvSpPr>
           <p:spPr>
             <a:xfrm>
-              <a:off x="2570572" y="2516618"/>
-              <a:ext cx="2911826" cy="258461"/>
+              <a:off x="2568829" y="2518550"/>
+              <a:ext cx="2913535" cy="259974"/>
             </a:xfrm>
             <a:prstGeom prst="rect">
               <a:avLst/>
@@ -3614,7 +3614,7 @@
           </p:nvSpPr>
           <p:spPr>
             <a:xfrm>
-              <a:off x="5208315" y="2593642"/>
+              <a:off x="5208258" y="2596331"/>
               <a:ext cx="50444" cy="74581"/>
             </a:xfrm>
             <a:custGeom>
@@ -3678,7 +3678,7 @@
           </p:nvSpPr>
           <p:spPr>
             <a:xfrm>
-              <a:off x="5263417" y="2593642"/>
+              <a:off x="5263360" y="2596331"/>
               <a:ext cx="58066" cy="74581"/>
             </a:xfrm>
             <a:custGeom>
@@ -3742,7 +3742,7 @@
           </p:nvSpPr>
           <p:spPr>
             <a:xfrm>
-              <a:off x="5275539" y="2607208"/>
+              <a:off x="5275481" y="2609897"/>
               <a:ext cx="22263" cy="34760"/>
             </a:xfrm>
             <a:custGeom>
@@ -4019,7 +4019,7 @@
           </p:nvSpPr>
           <p:spPr>
             <a:xfrm>
-              <a:off x="5325824" y="2592530"/>
+              <a:off x="5325767" y="2595219"/>
               <a:ext cx="52191" cy="75692"/>
             </a:xfrm>
             <a:custGeom>
@@ -4785,7 +4785,7 @@
           </p:nvSpPr>
           <p:spPr>
             <a:xfrm>
-              <a:off x="5389184" y="2593642"/>
+              <a:off x="5389127" y="2596331"/>
               <a:ext cx="50444" cy="74581"/>
             </a:xfrm>
             <a:custGeom>
@@ -4849,7 +4849,7 @@
           </p:nvSpPr>
           <p:spPr>
             <a:xfrm>
-              <a:off x="3937525" y="2320267"/>
+              <a:off x="3936581" y="2321275"/>
               <a:ext cx="50020" cy="76751"/>
             </a:xfrm>
             <a:custGeom>
@@ -5723,7 +5723,7 @@
           </p:nvSpPr>
           <p:spPr>
             <a:xfrm>
-              <a:off x="3947953" y="2355096"/>
+              <a:off x="3947009" y="2356104"/>
               <a:ext cx="29906" cy="34247"/>
             </a:xfrm>
             <a:custGeom>
@@ -6234,7 +6234,7 @@
           </p:nvSpPr>
           <p:spPr>
             <a:xfrm>
-              <a:off x="3994798" y="2321378"/>
+              <a:off x="3993854" y="2322387"/>
               <a:ext cx="54625" cy="74581"/>
             </a:xfrm>
             <a:custGeom>
@@ -6298,7 +6298,7 @@
           </p:nvSpPr>
           <p:spPr>
             <a:xfrm>
-              <a:off x="4003585" y="2332753"/>
+              <a:off x="4002640" y="2333762"/>
               <a:ext cx="26360" cy="38804"/>
             </a:xfrm>
             <a:custGeom>
@@ -6509,7 +6509,7 @@
           </p:nvSpPr>
           <p:spPr>
             <a:xfrm>
-              <a:off x="4056940" y="2321378"/>
+              <a:off x="4055996" y="2322387"/>
               <a:ext cx="51397" cy="75640"/>
             </a:xfrm>
             <a:custGeom>
@@ -7461,8 +7461,8 @@
           </p:nvSpPr>
           <p:spPr>
             <a:xfrm>
-              <a:off x="2570572" y="2186361"/>
-              <a:ext cx="2970062" cy="631795"/>
+              <a:off x="2568829" y="2186361"/>
+              <a:ext cx="2971806" cy="635492"/>
             </a:xfrm>
             <a:prstGeom prst="rect">
               <a:avLst/>
@@ -7491,7 +7491,7 @@
           </p:nvSpPr>
           <p:spPr>
             <a:xfrm>
-              <a:off x="2194714" y="2604512"/>
+              <a:off x="2192970" y="2607201"/>
               <a:ext cx="52387" cy="79781"/>
             </a:xfrm>
             <a:custGeom>
@@ -8014,7 +8014,7 @@
           </p:nvSpPr>
           <p:spPr>
             <a:xfrm>
-              <a:off x="2204864" y="2613189"/>
+              <a:off x="2203120" y="2615877"/>
               <a:ext cx="29631" cy="25156"/>
             </a:xfrm>
             <a:custGeom>
@@ -8234,7 +8234,7 @@
           </p:nvSpPr>
           <p:spPr>
             <a:xfrm>
-              <a:off x="2204864" y="2646858"/>
+              <a:off x="2203120" y="2649547"/>
               <a:ext cx="31541" cy="28813"/>
             </a:xfrm>
             <a:custGeom>
@@ -8514,7 +8514,7 @@
           </p:nvSpPr>
           <p:spPr>
             <a:xfrm>
-              <a:off x="2261289" y="2670651"/>
+              <a:off x="2259546" y="2673340"/>
               <a:ext cx="13860" cy="15225"/>
             </a:xfrm>
             <a:custGeom>
@@ -9025,7 +9025,7 @@
           </p:nvSpPr>
           <p:spPr>
             <a:xfrm>
-              <a:off x="2324482" y="2594362"/>
+              <a:off x="2322738" y="2597051"/>
               <a:ext cx="27066" cy="20518"/>
             </a:xfrm>
             <a:custGeom>
@@ -9066,7 +9066,7 @@
                     <a:pt x="27066" y="13096"/>
                   </a:lnTo>
                   <a:lnTo>
-                    <a:pt x="20955" y="20518"/>
+                    <a:pt x="20954" y="20518"/>
                   </a:lnTo>
                   <a:lnTo>
                     <a:pt x="18938" y="18881"/>
@@ -9122,7 +9122,7 @@
           </p:nvSpPr>
           <p:spPr>
             <a:xfrm>
-              <a:off x="2319243" y="2620556"/>
+              <a:off x="2317499" y="2623244"/>
               <a:ext cx="25757" cy="19645"/>
             </a:xfrm>
             <a:custGeom>
@@ -9219,7 +9219,7 @@
           </p:nvSpPr>
           <p:spPr>
             <a:xfrm>
-              <a:off x="2317933" y="2648932"/>
+              <a:off x="2316190" y="2651621"/>
               <a:ext cx="28376" cy="45402"/>
             </a:xfrm>
             <a:custGeom>
@@ -9227,7 +9227,7 @@
               <a:pathLst>
                 <a:path w="28376" h="45402">
                   <a:moveTo>
-                    <a:pt x="20955" y="0"/>
+                    <a:pt x="20954" y="0"/>
                   </a:moveTo>
                   <a:lnTo>
                     <a:pt x="28376" y="5675"/>
@@ -9316,7 +9316,7 @@
           </p:nvSpPr>
           <p:spPr>
             <a:xfrm>
-              <a:off x="2349366" y="2597418"/>
+              <a:off x="2347622" y="2600107"/>
               <a:ext cx="68103" cy="41473"/>
             </a:xfrm>
             <a:custGeom>
@@ -9581,7 +9581,7 @@
           </p:nvSpPr>
           <p:spPr>
             <a:xfrm>
-              <a:off x="2344564" y="2641074"/>
+              <a:off x="2342820" y="2643763"/>
               <a:ext cx="74215" cy="53697"/>
             </a:xfrm>
             <a:custGeom>
@@ -9807,7 +9807,7 @@
           </p:nvSpPr>
           <p:spPr>
             <a:xfrm>
-              <a:off x="2365519" y="2648932"/>
+              <a:off x="2363775" y="2651621"/>
               <a:ext cx="33178" cy="22701"/>
             </a:xfrm>
             <a:custGeom>
@@ -9901,7 +9901,7 @@
           </p:nvSpPr>
           <p:spPr>
             <a:xfrm>
-              <a:off x="2430566" y="2593489"/>
+              <a:off x="2428823" y="2596177"/>
               <a:ext cx="97353" cy="101282"/>
             </a:xfrm>
             <a:custGeom>
@@ -10280,21 +10280,21 @@
           </p:nvSpPr>
           <p:spPr>
             <a:xfrm>
-              <a:off x="2461562" y="2635399"/>
-              <a:ext cx="48895" cy="10477"/>
+              <a:off x="2459819" y="2638087"/>
+              <a:ext cx="48894" cy="10477"/>
             </a:xfrm>
             <a:custGeom>
               <a:avLst/>
               <a:pathLst>
-                <a:path w="48895" h="10477">
+                <a:path w="48894" h="10477">
                   <a:moveTo>
                     <a:pt x="0" y="10477"/>
                   </a:moveTo>
                   <a:lnTo>
-                    <a:pt x="48895" y="10477"/>
-                  </a:lnTo>
-                  <a:lnTo>
-                    <a:pt x="48895" y="0"/>
+                    <a:pt x="48894" y="10477"/>
+                  </a:lnTo>
+                  <a:lnTo>
+                    <a:pt x="48894" y="0"/>
                   </a:lnTo>
                   <a:lnTo>
                     <a:pt x="0" y="0"/>
@@ -10323,21 +10323,21 @@
           </p:nvSpPr>
           <p:spPr>
             <a:xfrm>
-              <a:off x="2461562" y="2653734"/>
-              <a:ext cx="48895" cy="10040"/>
+              <a:off x="2459819" y="2656423"/>
+              <a:ext cx="48894" cy="10040"/>
             </a:xfrm>
             <a:custGeom>
               <a:avLst/>
               <a:pathLst>
-                <a:path w="48895" h="10040">
+                <a:path w="48894" h="10040">
                   <a:moveTo>
                     <a:pt x="0" y="10040"/>
                   </a:moveTo>
                   <a:lnTo>
-                    <a:pt x="48895" y="10040"/>
-                  </a:lnTo>
-                  <a:lnTo>
-                    <a:pt x="48895" y="0"/>
+                    <a:pt x="48894" y="10040"/>
+                  </a:lnTo>
+                  <a:lnTo>
+                    <a:pt x="48894" y="0"/>
                   </a:lnTo>
                   <a:lnTo>
                     <a:pt x="0" y="0"/>
@@ -10366,7 +10366,7 @@
           </p:nvSpPr>
           <p:spPr>
             <a:xfrm>
-              <a:off x="2297087" y="2317005"/>
+              <a:off x="2295344" y="2318013"/>
               <a:ext cx="67940" cy="80109"/>
             </a:xfrm>
             <a:custGeom>
@@ -10421,7 +10421,7 @@
           </p:nvSpPr>
           <p:spPr>
             <a:xfrm>
-              <a:off x="2319461" y="2327919"/>
+              <a:off x="2317718" y="2328927"/>
               <a:ext cx="23246" cy="35470"/>
             </a:xfrm>
             <a:custGeom>
@@ -10612,7 +10612,7 @@
                     <a:pt x="9757" y="6645"/>
                   </a:lnTo>
                   <a:lnTo>
-                    <a:pt x="9658" y="6984"/>
+                    <a:pt x="9658" y="6985"/>
                   </a:lnTo>
                   <a:lnTo>
                     <a:pt x="9560" y="7310"/>
@@ -10701,7 +10701,7 @@
           </p:nvSpPr>
           <p:spPr>
             <a:xfrm>
-              <a:off x="2373049" y="2383471"/>
+              <a:off x="2371306" y="2384479"/>
               <a:ext cx="13860" cy="15225"/>
             </a:xfrm>
             <a:custGeom>
@@ -11212,7 +11212,7 @@
           </p:nvSpPr>
           <p:spPr>
             <a:xfrm>
-              <a:off x="2430566" y="2306309"/>
+              <a:off x="2428823" y="2307317"/>
               <a:ext cx="97353" cy="101282"/>
             </a:xfrm>
             <a:custGeom>
@@ -11229,7 +11229,7 @@
                     <a:pt x="35531" y="11001"/>
                   </a:lnTo>
                   <a:lnTo>
-                    <a:pt x="36129" y="9778"/>
+                    <a:pt x="36129" y="9779"/>
                   </a:lnTo>
                   <a:lnTo>
                     <a:pt x="36719" y="8556"/>
@@ -11271,7 +11271,7 @@
                     <a:pt x="47428" y="5937"/>
                   </a:lnTo>
                   <a:lnTo>
-                    <a:pt x="47039" y="6984"/>
+                    <a:pt x="47039" y="6985"/>
                   </a:lnTo>
                   <a:lnTo>
                     <a:pt x="46642" y="8032"/>
@@ -11424,7 +11424,7 @@
                     <a:pt x="60682" y="99536"/>
                   </a:lnTo>
                   <a:lnTo>
-                    <a:pt x="58499" y="90804"/>
+                    <a:pt x="58499" y="90805"/>
                   </a:lnTo>
                   <a:lnTo>
                     <a:pt x="60795" y="90970"/>
@@ -11591,21 +11591,21 @@
           </p:nvSpPr>
           <p:spPr>
             <a:xfrm>
-              <a:off x="2461562" y="2348219"/>
-              <a:ext cx="48895" cy="10477"/>
+              <a:off x="2459819" y="2349227"/>
+              <a:ext cx="48894" cy="10477"/>
             </a:xfrm>
             <a:custGeom>
               <a:avLst/>
               <a:pathLst>
-                <a:path w="48895" h="10477">
+                <a:path w="48894" h="10477">
                   <a:moveTo>
                     <a:pt x="0" y="10477"/>
                   </a:moveTo>
                   <a:lnTo>
-                    <a:pt x="48895" y="10477"/>
-                  </a:lnTo>
-                  <a:lnTo>
-                    <a:pt x="48895" y="0"/>
+                    <a:pt x="48894" y="10477"/>
+                  </a:lnTo>
+                  <a:lnTo>
+                    <a:pt x="48894" y="0"/>
                   </a:lnTo>
                   <a:lnTo>
                     <a:pt x="0" y="0"/>
@@ -11634,21 +11634,21 @@
           </p:nvSpPr>
           <p:spPr>
             <a:xfrm>
-              <a:off x="2461562" y="2366554"/>
-              <a:ext cx="48895" cy="10040"/>
+              <a:off x="2459819" y="2367563"/>
+              <a:ext cx="48894" cy="10040"/>
             </a:xfrm>
             <a:custGeom>
               <a:avLst/>
               <a:pathLst>
-                <a:path w="48895" h="10040">
+                <a:path w="48894" h="10040">
                   <a:moveTo>
                     <a:pt x="0" y="10040"/>
                   </a:moveTo>
                   <a:lnTo>
-                    <a:pt x="48895" y="10040"/>
-                  </a:lnTo>
-                  <a:lnTo>
-                    <a:pt x="48895" y="0"/>
+                    <a:pt x="48894" y="10040"/>
+                  </a:lnTo>
+                  <a:lnTo>
+                    <a:pt x="48894" y="0"/>
                   </a:lnTo>
                   <a:lnTo>
                     <a:pt x="0" y="0"/>
@@ -11677,7 +11677,7 @@
           </p:nvSpPr>
           <p:spPr>
             <a:xfrm>
-              <a:off x="2535778" y="2645849"/>
+              <a:off x="2534034" y="2648538"/>
               <a:ext cx="34794" cy="0"/>
             </a:xfrm>
             <a:custGeom>
@@ -11717,7 +11717,7 @@
           </p:nvSpPr>
           <p:spPr>
             <a:xfrm>
-              <a:off x="2535778" y="2358669"/>
+              <a:off x="2534034" y="2359677"/>
               <a:ext cx="34794" cy="0"/>
             </a:xfrm>
             <a:custGeom>
@@ -11757,7 +11757,7 @@
           </p:nvSpPr>
           <p:spPr>
             <a:xfrm>
-              <a:off x="2570572" y="2818157"/>
+              <a:off x="2568829" y="2821854"/>
               <a:ext cx="0" cy="34794"/>
             </a:xfrm>
             <a:custGeom>
@@ -11797,7 +11797,7 @@
           </p:nvSpPr>
           <p:spPr>
             <a:xfrm>
-              <a:off x="3595142" y="2818157"/>
+              <a:off x="3594000" y="2821854"/>
               <a:ext cx="0" cy="34794"/>
             </a:xfrm>
             <a:custGeom>
@@ -11837,7 +11837,7 @@
           </p:nvSpPr>
           <p:spPr>
             <a:xfrm>
-              <a:off x="4619711" y="2818157"/>
+              <a:off x="4619171" y="2821854"/>
               <a:ext cx="0" cy="34794"/>
             </a:xfrm>
             <a:custGeom>
@@ -11877,7 +11877,7 @@
           </p:nvSpPr>
           <p:spPr>
             <a:xfrm>
-              <a:off x="2543860" y="2879641"/>
+              <a:off x="2542117" y="2883338"/>
               <a:ext cx="53424" cy="79126"/>
             </a:xfrm>
             <a:custGeom>
@@ -12320,7 +12320,7 @@
                     <a:pt x="48312" y="12306"/>
                   </a:lnTo>
                   <a:lnTo>
-                    <a:pt x="48894" y="13492"/>
+                    <a:pt x="48895" y="13492"/>
                   </a:lnTo>
                   <a:lnTo>
                     <a:pt x="49447" y="14740"/>
@@ -12388,7 +12388,7 @@
           </p:nvSpPr>
           <p:spPr>
             <a:xfrm>
-              <a:off x="2553792" y="2887608"/>
+              <a:off x="2552049" y="2891305"/>
               <a:ext cx="33506" cy="63137"/>
             </a:xfrm>
             <a:custGeom>
@@ -12899,7 +12899,7 @@
           </p:nvSpPr>
           <p:spPr>
             <a:xfrm>
-              <a:off x="3506383" y="2880787"/>
+              <a:off x="3505241" y="2884484"/>
               <a:ext cx="52987" cy="77980"/>
             </a:xfrm>
             <a:custGeom>
@@ -13216,7 +13216,7 @@
                     <a:pt x="14960" y="66777"/>
                   </a:lnTo>
                   <a:lnTo>
-                    <a:pt x="15366" y="67075"/>
+                    <a:pt x="15367" y="67075"/>
                   </a:lnTo>
                   <a:lnTo>
                     <a:pt x="15789" y="67362"/>
@@ -13851,7 +13851,7 @@
           </p:nvSpPr>
           <p:spPr>
             <a:xfrm>
-              <a:off x="3568430" y="2879641"/>
+              <a:off x="3567288" y="2883338"/>
               <a:ext cx="53424" cy="79126"/>
             </a:xfrm>
             <a:custGeom>
@@ -14362,7 +14362,7 @@
           </p:nvSpPr>
           <p:spPr>
             <a:xfrm>
-              <a:off x="3578362" y="2887608"/>
+              <a:off x="3577220" y="2891305"/>
               <a:ext cx="33506" cy="63137"/>
             </a:xfrm>
             <a:custGeom>
@@ -14873,7 +14873,7 @@
           </p:nvSpPr>
           <p:spPr>
             <a:xfrm>
-              <a:off x="3630585" y="2879641"/>
+              <a:off x="3629443" y="2883338"/>
               <a:ext cx="53424" cy="79126"/>
             </a:xfrm>
             <a:custGeom>
@@ -15384,7 +15384,7 @@
           </p:nvSpPr>
           <p:spPr>
             <a:xfrm>
-              <a:off x="3640517" y="2887608"/>
+              <a:off x="3639375" y="2891305"/>
               <a:ext cx="33506" cy="63137"/>
             </a:xfrm>
             <a:custGeom>
@@ -15895,7 +15895,7 @@
           </p:nvSpPr>
           <p:spPr>
             <a:xfrm>
-              <a:off x="4503913" y="2880787"/>
+              <a:off x="4503373" y="2884484"/>
               <a:ext cx="48185" cy="76889"/>
             </a:xfrm>
             <a:custGeom>
@@ -15959,7 +15959,7 @@
           </p:nvSpPr>
           <p:spPr>
             <a:xfrm>
-              <a:off x="4561921" y="2879641"/>
+              <a:off x="4561381" y="2883338"/>
               <a:ext cx="53424" cy="79126"/>
             </a:xfrm>
             <a:custGeom>
@@ -16470,7 +16470,7 @@
           </p:nvSpPr>
           <p:spPr>
             <a:xfrm>
-              <a:off x="4571853" y="2887608"/>
+              <a:off x="4571313" y="2891305"/>
               <a:ext cx="33506" cy="63137"/>
             </a:xfrm>
             <a:custGeom>
@@ -16981,7 +16981,7 @@
           </p:nvSpPr>
           <p:spPr>
             <a:xfrm>
-              <a:off x="4624077" y="2879641"/>
+              <a:off x="4623536" y="2883338"/>
               <a:ext cx="53424" cy="79126"/>
             </a:xfrm>
             <a:custGeom>
@@ -17492,7 +17492,7 @@
           </p:nvSpPr>
           <p:spPr>
             <a:xfrm>
-              <a:off x="4634009" y="2887608"/>
+              <a:off x="4633468" y="2891305"/>
               <a:ext cx="33506" cy="63137"/>
             </a:xfrm>
             <a:custGeom>
@@ -18003,7 +18003,7 @@
           </p:nvSpPr>
           <p:spPr>
             <a:xfrm>
-              <a:off x="4686233" y="2879641"/>
+              <a:off x="4685692" y="2883338"/>
               <a:ext cx="53424" cy="79126"/>
             </a:xfrm>
             <a:custGeom>
@@ -18514,7 +18514,7 @@
           </p:nvSpPr>
           <p:spPr>
             <a:xfrm>
-              <a:off x="4696164" y="2887608"/>
+              <a:off x="4695624" y="2891305"/>
               <a:ext cx="33506" cy="63137"/>
             </a:xfrm>
             <a:custGeom>
